--- a/SOW/הצעת פרוייקט מצגת.pptx
+++ b/SOW/הצעת פרוייקט מצגת.pptx
@@ -292,7 +292,7 @@
             <a:fld id="{F9119E2C-183D-45EA-B4E8-412AD0C4EF42}" type="datetimeFigureOut">
               <a:rPr lang="en-US" smtClean="0"/>
               <a:pPr/>
-              <a:t>3/11/2013</a:t>
+              <a:t>3/9/2013</a:t>
             </a:fld>
             <a:endParaRPr lang="en-US"/>
           </a:p>
@@ -459,7 +459,7 @@
             <a:fld id="{F9119E2C-183D-45EA-B4E8-412AD0C4EF42}" type="datetimeFigureOut">
               <a:rPr lang="en-US" smtClean="0"/>
               <a:pPr/>
-              <a:t>3/11/2013</a:t>
+              <a:t>3/9/2013</a:t>
             </a:fld>
             <a:endParaRPr lang="en-US"/>
           </a:p>
@@ -636,7 +636,7 @@
             <a:fld id="{F9119E2C-183D-45EA-B4E8-412AD0C4EF42}" type="datetimeFigureOut">
               <a:rPr lang="en-US" smtClean="0"/>
               <a:pPr/>
-              <a:t>3/11/2013</a:t>
+              <a:t>3/9/2013</a:t>
             </a:fld>
             <a:endParaRPr lang="en-US"/>
           </a:p>
@@ -803,7 +803,7 @@
             <a:fld id="{F9119E2C-183D-45EA-B4E8-412AD0C4EF42}" type="datetimeFigureOut">
               <a:rPr lang="en-US" smtClean="0"/>
               <a:pPr/>
-              <a:t>3/11/2013</a:t>
+              <a:t>3/9/2013</a:t>
             </a:fld>
             <a:endParaRPr lang="en-US"/>
           </a:p>
@@ -1046,7 +1046,7 @@
             <a:fld id="{F9119E2C-183D-45EA-B4E8-412AD0C4EF42}" type="datetimeFigureOut">
               <a:rPr lang="en-US" smtClean="0"/>
               <a:pPr/>
-              <a:t>3/11/2013</a:t>
+              <a:t>3/9/2013</a:t>
             </a:fld>
             <a:endParaRPr lang="en-US"/>
           </a:p>
@@ -1331,7 +1331,7 @@
             <a:fld id="{F9119E2C-183D-45EA-B4E8-412AD0C4EF42}" type="datetimeFigureOut">
               <a:rPr lang="en-US" smtClean="0"/>
               <a:pPr/>
-              <a:t>3/11/2013</a:t>
+              <a:t>3/9/2013</a:t>
             </a:fld>
             <a:endParaRPr lang="en-US"/>
           </a:p>
@@ -1750,7 +1750,7 @@
             <a:fld id="{F9119E2C-183D-45EA-B4E8-412AD0C4EF42}" type="datetimeFigureOut">
               <a:rPr lang="en-US" smtClean="0"/>
               <a:pPr/>
-              <a:t>3/11/2013</a:t>
+              <a:t>3/9/2013</a:t>
             </a:fld>
             <a:endParaRPr lang="en-US"/>
           </a:p>
@@ -1865,7 +1865,7 @@
             <a:fld id="{F9119E2C-183D-45EA-B4E8-412AD0C4EF42}" type="datetimeFigureOut">
               <a:rPr lang="en-US" smtClean="0"/>
               <a:pPr/>
-              <a:t>3/11/2013</a:t>
+              <a:t>3/9/2013</a:t>
             </a:fld>
             <a:endParaRPr lang="en-US"/>
           </a:p>
@@ -1957,7 +1957,7 @@
             <a:fld id="{F9119E2C-183D-45EA-B4E8-412AD0C4EF42}" type="datetimeFigureOut">
               <a:rPr lang="en-US" smtClean="0"/>
               <a:pPr/>
-              <a:t>3/11/2013</a:t>
+              <a:t>3/9/2013</a:t>
             </a:fld>
             <a:endParaRPr lang="en-US"/>
           </a:p>
@@ -2231,7 +2231,7 @@
             <a:fld id="{F9119E2C-183D-45EA-B4E8-412AD0C4EF42}" type="datetimeFigureOut">
               <a:rPr lang="en-US" smtClean="0"/>
               <a:pPr/>
-              <a:t>3/11/2013</a:t>
+              <a:t>3/9/2013</a:t>
             </a:fld>
             <a:endParaRPr lang="en-US"/>
           </a:p>
@@ -2481,7 +2481,7 @@
             <a:fld id="{F9119E2C-183D-45EA-B4E8-412AD0C4EF42}" type="datetimeFigureOut">
               <a:rPr lang="en-US" smtClean="0"/>
               <a:pPr/>
-              <a:t>3/11/2013</a:t>
+              <a:t>3/9/2013</a:t>
             </a:fld>
             <a:endParaRPr lang="en-US"/>
           </a:p>
@@ -2691,7 +2691,7 @@
             <a:fld id="{F9119E2C-183D-45EA-B4E8-412AD0C4EF42}" type="datetimeFigureOut">
               <a:rPr lang="en-US" smtClean="0"/>
               <a:pPr/>
-              <a:t>3/11/2013</a:t>
+              <a:t>3/9/2013</a:t>
             </a:fld>
             <a:endParaRPr lang="en-US"/>
           </a:p>
@@ -3097,16 +3097,10 @@
           <a:p>
             <a:pPr algn="ctr"/>
             <a:r>
-              <a:rPr lang="en-US" sz="8000" dirty="0" err="1" smtClean="0">
-                <a:latin typeface="Arial Rounded MT Bold" pitchFamily="34" charset="0"/>
-              </a:rPr>
-              <a:t>Immedi</a:t>
-            </a:r>
-            <a:r>
               <a:rPr lang="en-US" sz="8000" dirty="0" smtClean="0">
                 <a:latin typeface="Arial Rounded MT Bold" pitchFamily="34" charset="0"/>
               </a:rPr>
-              <a:t> - ate</a:t>
+              <a:t>Shop-Smart</a:t>
             </a:r>
             <a:endParaRPr lang="en-US" sz="8000" dirty="0">
               <a:latin typeface="Arial Rounded MT Bold" pitchFamily="34" charset="0"/>
@@ -3427,7 +3421,7 @@
         </p:nvSpPr>
         <p:spPr>
           <a:xfrm>
-            <a:off x="685800" y="990600"/>
+            <a:off x="685800" y="1143000"/>
             <a:ext cx="7848600" cy="1981200"/>
           </a:xfrm>
           <a:prstGeom prst="roundRect">
@@ -3455,12 +3449,24 @@
             <a:pPr algn="r" rtl="1"/>
             <a:r>
               <a:rPr lang="he-IL" sz="2400" dirty="0" smtClean="0"/>
-              <a:t>כאשר מחפשים היום מקום לאכול בו, ישנם הרבה פורטלים שניתן להעזר בהם, אבל כולם מסווגים את המסעדות רק על פי הכותרת שלהם </a:t>
+              <a:t>אם תקלידו בגוגל "</a:t>
+            </a:r>
+            <a:r>
+              <a:rPr lang="en-US" sz="2400" dirty="0" smtClean="0"/>
+              <a:t>Supermarkets are</a:t>
             </a:r>
             <a:r>
               <a:rPr lang="he-IL" sz="2400" dirty="0" smtClean="0"/>
-              <a:t>אך לא ניתן לראות את התפריט שלהם.</a:t>
-            </a:r>
+              <a:t>" ההצעות הראשונות להשלמה נעות על הסקאלה שבין רע למרושע.</a:t>
+            </a:r>
+          </a:p>
+          <a:p>
+            <a:pPr algn="r" rtl="1"/>
+            <a:r>
+              <a:rPr lang="he-IL" sz="2400" dirty="0" smtClean="0"/>
+              <a:t>אני חושב שכולנו יודעים למה. בעולם של היום, בו הכל נמדד בשניות, הקידמה פסחה על חווית הקניות.</a:t>
+            </a:r>
+            <a:endParaRPr lang="en-US" sz="2400" dirty="0"/>
           </a:p>
         </p:txBody>
       </p:sp>
@@ -3472,7 +3478,7 @@
         </p:nvSpPr>
         <p:spPr>
           <a:xfrm>
-            <a:off x="2788734" y="3352800"/>
+            <a:off x="2725544" y="3533078"/>
             <a:ext cx="3276600" cy="762000"/>
           </a:xfrm>
           <a:prstGeom prst="roundRect">
@@ -3515,8 +3521,8 @@
         </p:nvSpPr>
         <p:spPr>
           <a:xfrm>
-            <a:off x="682083" y="4191000"/>
-            <a:ext cx="7848600" cy="2438400"/>
+            <a:off x="682083" y="4419600"/>
+            <a:ext cx="7848600" cy="1981200"/>
           </a:xfrm>
           <a:prstGeom prst="roundRect">
             <a:avLst/>
@@ -3540,93 +3546,19 @@
           <a:bodyPr rtlCol="0" anchor="ctr"/>
           <a:lstStyle/>
           <a:p>
-            <a:pPr lvl="0" algn="r" rtl="1"/>
-            <a:endParaRPr lang="he-IL" sz="2400" dirty="0" smtClean="0"/>
-          </a:p>
-          <a:p>
-            <a:pPr lvl="0" algn="r" rtl="1"/>
-            <a:r>
-              <a:rPr lang="he-IL" sz="2400" dirty="0" smtClean="0"/>
-              <a:t>ה- </a:t>
-            </a:r>
-            <a:r>
-              <a:rPr lang="en-US" sz="2400" dirty="0"/>
-              <a:t> </a:t>
-            </a:r>
-            <a:r>
-              <a:rPr lang="en-US" sz="2400" dirty="0" err="1" smtClean="0">
-                <a:solidFill>
-                  <a:srgbClr val="0070C0"/>
-                </a:solidFill>
-              </a:rPr>
-              <a:t>Immedi</a:t>
-            </a:r>
+            <a:pPr algn="r" rtl="1"/>
             <a:r>
               <a:rPr lang="en-US" sz="2400" dirty="0" smtClean="0">
                 <a:solidFill>
                   <a:srgbClr val="0070C0"/>
                 </a:solidFill>
               </a:rPr>
-              <a:t>-ate</a:t>
-            </a:r>
-            <a:r>
-              <a:rPr lang="en-US" sz="2400" dirty="0" smtClean="0"/>
-              <a:t>  </a:t>
-            </a:r>
-            <a:r>
-              <a:rPr lang="he-IL" sz="2400" dirty="0"/>
-              <a:t>הינו מוצר המספק למשתמש הקצה שירות של חסכון בזמן ההמתנה להכנת אוכל במסעדה וחסכון כספי</a:t>
+              <a:t>Smart-Shop</a:t>
             </a:r>
             <a:r>
               <a:rPr lang="he-IL" sz="2400" dirty="0" smtClean="0"/>
-              <a:t>.</a:t>
-            </a:r>
-          </a:p>
-          <a:p>
-            <a:pPr lvl="0" algn="r" rtl="1"/>
-            <a:r>
-              <a:rPr lang="he-IL" sz="2400" dirty="0" smtClean="0"/>
-              <a:t>באמצעות הקלדה פשוטה של </a:t>
-            </a:r>
-            <a:r>
-              <a:rPr lang="he-IL" sz="2400" dirty="0"/>
-              <a:t>מסעדה או </a:t>
-            </a:r>
-            <a:r>
-              <a:rPr lang="he-IL" sz="2400" dirty="0" smtClean="0"/>
-              <a:t>מספר פריטים מבוקשים, השרת </a:t>
-            </a:r>
-            <a:r>
-              <a:rPr lang="he-IL" sz="2400" dirty="0"/>
-              <a:t>ידע לספק </a:t>
-            </a:r>
-            <a:r>
-              <a:rPr lang="he-IL" sz="2400" dirty="0" smtClean="0"/>
-              <a:t>תפריטים </a:t>
-            </a:r>
-            <a:r>
-              <a:rPr lang="he-IL" sz="2400" dirty="0"/>
-              <a:t>מתאימים ואז הלקוח יוכל לבצע הזמנה מרחוק של המנה המבוקשת וליידע מתי הוא יגיע</a:t>
-            </a:r>
-            <a:r>
-              <a:rPr lang="he-IL" sz="2400" dirty="0" smtClean="0"/>
-              <a:t>.</a:t>
-            </a:r>
-          </a:p>
-          <a:p>
-            <a:pPr lvl="0" algn="r" rtl="1"/>
-            <a:r>
-              <a:rPr lang="he-IL" sz="2400" dirty="0" smtClean="0"/>
-              <a:t>הלקוח בעצם יוכל להכנס למסעדה מהבית.</a:t>
-            </a:r>
-            <a:endParaRPr lang="en-US" sz="2400" dirty="0"/>
-          </a:p>
-          <a:p>
-            <a:pPr lvl="0" algn="r" rtl="1"/>
-            <a:endParaRPr lang="en-US" sz="2400" dirty="0"/>
-          </a:p>
-          <a:p>
-            <a:pPr algn="r" rtl="1"/>
+              <a:t> בונה עבור המשתמש מסלול לביצוע הקניות כך שהוא לא יצטרך לחזור לאותה הנקודה פעמיים. ובנוסף מחשבת גם סך ההוצאה עבור הקניהה, ובכך מרפשרת למשתמש לשלוט בהוצאות.</a:t>
+            </a:r>
             <a:endParaRPr lang="en-US" sz="2400" dirty="0"/>
           </a:p>
         </p:txBody>
@@ -3896,8 +3828,8 @@
         </p:nvSpPr>
         <p:spPr>
           <a:xfrm>
-            <a:off x="2549003" y="114300"/>
-            <a:ext cx="4064965" cy="800100"/>
+            <a:off x="2514600" y="685800"/>
+            <a:ext cx="4114800" cy="990600"/>
           </a:xfrm>
           <a:prstGeom prst="roundRect">
             <a:avLst/>
@@ -3940,8 +3872,8 @@
         </p:nvSpPr>
         <p:spPr>
           <a:xfrm>
-            <a:off x="685800" y="990600"/>
-            <a:ext cx="7848600" cy="3200400"/>
+            <a:off x="685800" y="1905000"/>
+            <a:ext cx="7848600" cy="2133600"/>
           </a:xfrm>
           <a:prstGeom prst="roundRect">
             <a:avLst/>
@@ -3965,70 +3897,28 @@
           <a:bodyPr rtlCol="0" anchor="ctr"/>
           <a:lstStyle/>
           <a:p>
-            <a:pPr lvl="0" algn="r" rtl="1"/>
-            <a:r>
-              <a:rPr lang="he-IL" sz="2400" dirty="0"/>
-              <a:t>שרת יתחזק רשימת תפריטים של </a:t>
-            </a:r>
+            <a:pPr algn="r" rtl="1"/>
             <a:r>
               <a:rPr lang="he-IL" sz="2400" dirty="0" smtClean="0"/>
-              <a:t>מסעדות (נתונים יתקבלו מבתי </a:t>
-            </a:r>
-            <a:r>
-              <a:rPr lang="he-IL" sz="2400" dirty="0"/>
-              <a:t>עסק שיהיו מעוניינים בכך</a:t>
-            </a:r>
+              <a:t>שרת יתחזק את רשימת המוצרים בסופרמרקטים. לכל מוצר תהיה קטוגריה אליו היא משויכת (לדוגמא – עגבניות: ירקות).</a:t>
+            </a:r>
+          </a:p>
+          <a:p>
+            <a:pPr algn="r" rtl="1"/>
             <a:r>
               <a:rPr lang="he-IL" sz="2400" dirty="0" smtClean="0"/>
-              <a:t>).</a:t>
-            </a:r>
-            <a:endParaRPr lang="en-US" sz="2400" dirty="0"/>
-          </a:p>
-          <a:p>
-            <a:pPr algn="r"/>
-            <a:r>
-              <a:rPr lang="en-US" sz="2400" dirty="0"/>
-              <a:t> </a:t>
-            </a:r>
-            <a:r>
-              <a:rPr lang="he-IL" sz="2400" dirty="0"/>
-              <a:t>לכל מסעדה יהיו "תגיות" אליה היא תהיה משויכת (לדוגמא – בשר\חלב, לפי מחיר</a:t>
-            </a:r>
+              <a:t>לכל קטוגריה יהיה פרמטר המצביע על מיקומה בסופר.</a:t>
+            </a:r>
+          </a:p>
+          <a:p>
+            <a:pPr algn="r" rtl="1"/>
             <a:r>
               <a:rPr lang="he-IL" sz="2400" dirty="0" smtClean="0"/>
-              <a:t>).</a:t>
-            </a:r>
-            <a:endParaRPr lang="en-US" sz="2400" dirty="0" smtClean="0"/>
-          </a:p>
-          <a:p>
-            <a:pPr algn="r"/>
-            <a:r>
-              <a:rPr lang="he-IL" sz="2400" dirty="0" smtClean="0"/>
-              <a:t>התכנה תבצע שאליתא לשרת על בסיס נתונים שהזין הלקוח ותחזיר "מסעדות פוטנצאליות", עם התפריט שלהן.</a:t>
-            </a:r>
-            <a:endParaRPr lang="en-US" sz="2400" dirty="0" smtClean="0"/>
-          </a:p>
-          <a:p>
-            <a:pPr algn="r"/>
-            <a:r>
-              <a:rPr lang="he-IL" sz="2400" dirty="0" smtClean="0"/>
-              <a:t>במידה והלקוח יהיה מעונין בכך, הוא יוכל לבצע הזמנה ולהודיע</a:t>
-            </a:r>
-            <a:r>
-              <a:rPr lang="en-US" sz="2400" dirty="0" smtClean="0"/>
-              <a:t> </a:t>
-            </a:r>
-            <a:r>
-              <a:rPr lang="he-IL" sz="2400" dirty="0" smtClean="0"/>
-              <a:t>על שעת הגעה צפויה.</a:t>
-            </a:r>
-          </a:p>
-          <a:p>
-            <a:pPr algn="r"/>
-            <a:r>
-              <a:rPr lang="he-IL" sz="2400" dirty="0" smtClean="0"/>
-              <a:t>ההזמנה  תשלח לבית העסק באמצעות מייל.</a:t>
-            </a:r>
+              <a:t>הלקוח יתשאל את השרת עבור רשימת קניות מסוימת ויקבל את אותה הרשימה, אך ממוינת לפי סדר הפריטים בסופר.</a:t>
+            </a:r>
+          </a:p>
+          <a:p>
+            <a:pPr algn="r" rtl="1"/>
             <a:endParaRPr lang="he-IL" sz="2400" dirty="0"/>
           </a:p>
         </p:txBody>
@@ -4043,7 +3933,7 @@
         </p:nvSpPr>
         <p:spPr bwMode="auto">
           <a:xfrm>
-            <a:off x="119402" y="279710"/>
+            <a:off x="152400" y="152400"/>
             <a:ext cx="9144000" cy="457200"/>
           </a:xfrm>
           <a:prstGeom prst="rect">
@@ -4376,340 +4266,197 @@
       </p:sp>
       <p:grpSp>
         <p:nvGrpSpPr>
-          <p:cNvPr id="16" name="Group 15"/>
+          <p:cNvPr id="24" name="Group 23"/>
           <p:cNvGrpSpPr/>
           <p:nvPr/>
         </p:nvGrpSpPr>
         <p:grpSpPr>
           <a:xfrm>
-            <a:off x="833134" y="4267200"/>
-            <a:ext cx="7343775" cy="2434001"/>
-            <a:chOff x="0" y="0"/>
-            <a:chExt cx="7343775" cy="2512060"/>
+            <a:off x="846795" y="4213242"/>
+            <a:ext cx="7539676" cy="2357726"/>
+            <a:chOff x="846795" y="4213242"/>
+            <a:chExt cx="7539676" cy="2357726"/>
           </a:xfrm>
         </p:grpSpPr>
-        <p:grpSp>
-          <p:nvGrpSpPr>
-            <p:cNvPr id="17" name="Group 16"/>
-            <p:cNvGrpSpPr>
-              <a:grpSpLocks/>
-            </p:cNvGrpSpPr>
+        <p:pic>
+          <p:nvPicPr>
+            <p:cNvPr id="2052" name="תמונה 2" descr="j0292020"/>
+            <p:cNvPicPr>
+              <a:picLocks noChangeAspect="1" noChangeArrowheads="1"/>
+            </p:cNvPicPr>
             <p:nvPr/>
-          </p:nvGrpSpPr>
-          <p:grpSpPr>
-            <a:xfrm>
-              <a:off x="0" y="0"/>
-              <a:ext cx="5124450" cy="2496820"/>
-              <a:chOff x="0" y="-336170"/>
-              <a:chExt cx="4483325" cy="2693896"/>
-            </a:xfrm>
-          </p:grpSpPr>
-          <p:pic>
-            <p:nvPicPr>
-              <p:cNvPr id="29" name="תמונה 2" descr="j0292020"/>
-              <p:cNvPicPr>
-                <a:picLocks noChangeAspect="1" noChangeArrowheads="1"/>
-              </p:cNvPicPr>
-              <p:nvPr/>
-            </p:nvPicPr>
-            <p:blipFill>
-              <a:blip r:embed="rId2" cstate="print">
-                <a:extLst>
-                  <a:ext uri="{28A0092B-C50C-407E-A947-70E740481C1C}">
-                    <a14:useLocalDpi xmlns:a14="http://schemas.microsoft.com/office/drawing/2010/main" val="0"/>
-                  </a:ext>
-                </a:extLst>
-              </a:blip>
-              <a:srcRect/>
-              <a:stretch>
-                <a:fillRect/>
-              </a:stretch>
-            </p:blipFill>
-            <p:spPr bwMode="auto">
-              <a:xfrm>
-                <a:off x="0" y="1290926"/>
-                <a:ext cx="1123950" cy="1066800"/>
-              </a:xfrm>
-              <a:prstGeom prst="rect">
-                <a:avLst/>
-              </a:prstGeom>
-              <a:noFill/>
+          </p:nvPicPr>
+          <p:blipFill>
+            <a:blip r:embed="rId2" cstate="print">
               <a:extLst>
-                <a:ext uri="{909E8E84-426E-40DD-AFC4-6F175D3DCCD1}">
-                  <a14:hiddenFill xmlns:a14="http://schemas.microsoft.com/office/drawing/2010/main">
-                    <a:solidFill>
-                      <a:srgbClr val="FFFFFF"/>
-                    </a:solidFill>
-                  </a14:hiddenFill>
+                <a:ext uri="{28A0092B-C50C-407E-A947-70E740481C1C}">
+                  <a14:useLocalDpi xmlns:a14="http://schemas.microsoft.com/office/drawing/2010/main" val="0"/>
                 </a:ext>
               </a:extLst>
-            </p:spPr>
-          </p:pic>
-          <p:cxnSp>
-            <p:nvCxnSpPr>
-              <p:cNvPr id="30" name="AutoShape 13"/>
-              <p:cNvCxnSpPr/>
-              <p:nvPr/>
-            </p:nvCxnSpPr>
-            <p:spPr bwMode="auto">
-              <a:xfrm flipV="1">
-                <a:off x="1203627" y="1535248"/>
-                <a:ext cx="784680" cy="1"/>
-              </a:xfrm>
-              <a:prstGeom prst="straightConnector1">
-                <a:avLst/>
-              </a:prstGeom>
-              <a:noFill/>
-              <a:ln w="9525">
-                <a:solidFill>
-                  <a:srgbClr val="1F497D"/>
-                </a:solidFill>
-                <a:round/>
-                <a:headEnd/>
-                <a:tailEnd type="triangle" w="med" len="med"/>
-              </a:ln>
-              <a:extLst>
-                <a:ext uri="{909E8E84-426E-40DD-AFC4-6F175D3DCCD1}">
-                  <a14:hiddenFill xmlns:a14="http://schemas.microsoft.com/office/drawing/2010/main">
-                    <a:noFill/>
-                  </a14:hiddenFill>
-                </a:ext>
-              </a:extLst>
-            </p:spPr>
-          </p:cxnSp>
-          <p:cxnSp>
-            <p:nvCxnSpPr>
-              <p:cNvPr id="31" name="AutoShape 8"/>
-              <p:cNvCxnSpPr/>
-              <p:nvPr/>
-            </p:nvCxnSpPr>
-            <p:spPr bwMode="auto">
-              <a:xfrm flipV="1">
-                <a:off x="2963350" y="820444"/>
-                <a:ext cx="381093" cy="621275"/>
-              </a:xfrm>
-              <a:prstGeom prst="straightConnector1">
-                <a:avLst/>
-              </a:prstGeom>
-              <a:noFill/>
-              <a:ln w="9525">
-                <a:solidFill>
-                  <a:srgbClr val="1F497D"/>
-                </a:solidFill>
-                <a:round/>
-                <a:headEnd/>
-                <a:tailEnd type="triangle" w="med" len="med"/>
-              </a:ln>
-              <a:extLst>
-                <a:ext uri="{909E8E84-426E-40DD-AFC4-6F175D3DCCD1}">
-                  <a14:hiddenFill xmlns:a14="http://schemas.microsoft.com/office/drawing/2010/main">
-                    <a:noFill/>
-                  </a14:hiddenFill>
-                </a:ext>
-              </a:extLst>
-            </p:spPr>
-          </p:cxnSp>
-          <p:cxnSp>
-            <p:nvCxnSpPr>
-              <p:cNvPr id="32" name="AutoShape 7"/>
-              <p:cNvCxnSpPr/>
-              <p:nvPr/>
-            </p:nvCxnSpPr>
-            <p:spPr bwMode="auto">
-              <a:xfrm flipH="1">
-                <a:off x="3056858" y="913976"/>
-                <a:ext cx="401469" cy="692172"/>
-              </a:xfrm>
-              <a:prstGeom prst="straightConnector1">
-                <a:avLst/>
-              </a:prstGeom>
-              <a:noFill/>
-              <a:ln w="9525">
-                <a:solidFill>
-                  <a:srgbClr val="FF0000"/>
-                </a:solidFill>
-                <a:round/>
-                <a:headEnd/>
-                <a:tailEnd type="triangle" w="med" len="med"/>
-              </a:ln>
-              <a:extLst>
-                <a:ext uri="{909E8E84-426E-40DD-AFC4-6F175D3DCCD1}">
-                  <a14:hiddenFill xmlns:a14="http://schemas.microsoft.com/office/drawing/2010/main">
-                    <a:noFill/>
-                  </a14:hiddenFill>
-                </a:ext>
-              </a:extLst>
-            </p:spPr>
-          </p:cxnSp>
-          <p:sp>
-            <p:nvSpPr>
-              <p:cNvPr id="33" name="Oval 32"/>
-              <p:cNvSpPr>
-                <a:spLocks noChangeArrowheads="1"/>
-              </p:cNvSpPr>
-              <p:nvPr/>
-            </p:nvSpPr>
-            <p:spPr bwMode="auto">
-              <a:xfrm>
-                <a:off x="1931859" y="1290926"/>
-                <a:ext cx="1124998" cy="916007"/>
-              </a:xfrm>
-              <a:prstGeom prst="ellipse">
-                <a:avLst/>
-              </a:prstGeom>
-              <a:solidFill>
-                <a:srgbClr val="4F81BD"/>
-              </a:solidFill>
-              <a:ln w="38100">
-                <a:solidFill>
-                  <a:srgbClr val="F2F2F2"/>
-                </a:solidFill>
-                <a:round/>
-                <a:headEnd/>
-                <a:tailEnd/>
-              </a:ln>
-              <a:effectLst>
-                <a:outerShdw dist="28398" dir="3806097" algn="ctr" rotWithShape="0">
-                  <a:srgbClr val="243F60">
-                    <a:alpha val="50000"/>
-                  </a:srgbClr>
-                </a:outerShdw>
-              </a:effectLst>
-            </p:spPr>
-            <p:txBody>
-              <a:bodyPr vert="horz" wrap="square" lIns="91440" tIns="45720" rIns="91440" bIns="45720" numCol="1" anchor="t" anchorCtr="0" compatLnSpc="1">
-                <a:prstTxWarp prst="textNoShape">
-                  <a:avLst/>
-                </a:prstTxWarp>
-              </a:bodyPr>
-              <a:lstStyle/>
-              <a:p>
-                <a:pPr algn="r">
-                  <a:lnSpc>
-                    <a:spcPct val="115000"/>
-                  </a:lnSpc>
-                  <a:spcAft>
-                    <a:spcPts val="1000"/>
-                  </a:spcAft>
-                </a:pPr>
-                <a:r>
-                  <a:rPr lang="he-IL" sz="1100" b="1">
-                    <a:effectLst/>
-                    <a:latin typeface="Calibri"/>
-                    <a:ea typeface="Times New Roman"/>
-                    <a:cs typeface="Arial"/>
-                  </a:rPr>
-                  <a:t>ביצוע שאילתא</a:t>
-                </a:r>
-                <a:endParaRPr lang="en-US" sz="1100">
-                  <a:effectLst/>
-                  <a:latin typeface="Calibri"/>
-                  <a:ea typeface="Calibri"/>
-                  <a:cs typeface="Arial"/>
-                </a:endParaRPr>
-              </a:p>
-            </p:txBody>
-          </p:sp>
-          <p:sp>
-            <p:nvSpPr>
-              <p:cNvPr id="34" name="Cloud 33"/>
-              <p:cNvSpPr/>
-              <p:nvPr/>
-            </p:nvSpPr>
-            <p:spPr>
-              <a:xfrm>
-                <a:off x="3056857" y="-336170"/>
-                <a:ext cx="1426468" cy="1250146"/>
-              </a:xfrm>
-              <a:prstGeom prst="cloud">
-                <a:avLst/>
-              </a:prstGeom>
-            </p:spPr>
-            <p:style>
-              <a:lnRef idx="2">
-                <a:schemeClr val="accent1">
-                  <a:shade val="50000"/>
-                </a:schemeClr>
-              </a:lnRef>
-              <a:fillRef idx="1">
-                <a:schemeClr val="accent1"/>
-              </a:fillRef>
-              <a:effectRef idx="0">
-                <a:schemeClr val="accent1"/>
-              </a:effectRef>
-              <a:fontRef idx="minor">
-                <a:schemeClr val="lt1"/>
-              </a:fontRef>
-            </p:style>
-            <p:txBody>
-              <a:bodyPr rot="0" spcFirstLastPara="0" vert="horz" wrap="square" lIns="91440" tIns="45720" rIns="91440" bIns="45720" numCol="1" spcCol="0" rtlCol="1" fromWordArt="0" anchor="ctr" anchorCtr="0" forceAA="0" compatLnSpc="1">
-                <a:prstTxWarp prst="textNoShape">
-                  <a:avLst/>
-                </a:prstTxWarp>
-                <a:noAutofit/>
-              </a:bodyPr>
-              <a:lstStyle/>
-              <a:p>
-                <a:pPr algn="r">
-                  <a:lnSpc>
-                    <a:spcPct val="115000"/>
-                  </a:lnSpc>
-                  <a:spcAft>
-                    <a:spcPts val="1000"/>
-                  </a:spcAft>
-                </a:pPr>
-                <a:r>
-                  <a:rPr lang="he-IL" sz="1100" b="1" dirty="0">
-                    <a:effectLst/>
-                    <a:ea typeface="Times New Roman"/>
-                    <a:cs typeface="Arial"/>
-                  </a:rPr>
-                  <a:t>חיפוש ומתן מענה לשאילתא</a:t>
-                </a:r>
-                <a:endParaRPr lang="en-US" sz="1100" dirty="0">
-                  <a:effectLst/>
-                  <a:ea typeface="Calibri"/>
-                  <a:cs typeface="Arial"/>
-                </a:endParaRPr>
-              </a:p>
-            </p:txBody>
-          </p:sp>
-          <p:cxnSp>
-            <p:nvCxnSpPr>
-              <p:cNvPr id="35" name="AutoShape 7"/>
-              <p:cNvCxnSpPr/>
-              <p:nvPr/>
-            </p:nvCxnSpPr>
-            <p:spPr bwMode="auto">
-              <a:xfrm flipH="1">
-                <a:off x="1123833" y="1767175"/>
-                <a:ext cx="754726" cy="0"/>
-              </a:xfrm>
-              <a:prstGeom prst="straightConnector1">
-                <a:avLst/>
-              </a:prstGeom>
-              <a:noFill/>
-              <a:ln w="9525">
-                <a:solidFill>
-                  <a:srgbClr val="FF0000"/>
-                </a:solidFill>
-                <a:round/>
-                <a:headEnd/>
-                <a:tailEnd type="triangle" w="med" len="med"/>
-              </a:ln>
-              <a:extLst>
-                <a:ext uri="{909E8E84-426E-40DD-AFC4-6F175D3DCCD1}">
-                  <a14:hiddenFill xmlns:a14="http://schemas.microsoft.com/office/drawing/2010/main">
-                    <a:noFill/>
-                  </a14:hiddenFill>
-                </a:ext>
-              </a:extLst>
-            </p:spPr>
-          </p:cxnSp>
-        </p:grpSp>
+            </a:blip>
+            <a:srcRect/>
+            <a:stretch>
+              <a:fillRect/>
+            </a:stretch>
+          </p:blipFill>
+          <p:spPr bwMode="auto">
+            <a:xfrm>
+              <a:off x="846795" y="5504168"/>
+              <a:ext cx="1123950" cy="1066800"/>
+            </a:xfrm>
+            <a:prstGeom prst="rect">
+              <a:avLst/>
+            </a:prstGeom>
+            <a:noFill/>
+            <a:extLst>
+              <a:ext uri="{909E8E84-426E-40DD-AFC4-6F175D3DCCD1}">
+                <a14:hiddenFill xmlns:a14="http://schemas.microsoft.com/office/drawing/2010/main">
+                  <a:solidFill>
+                    <a:srgbClr val="FFFFFF"/>
+                  </a:solidFill>
+                </a14:hiddenFill>
+              </a:ext>
+            </a:extLst>
+          </p:spPr>
+        </p:pic>
         <p:sp>
           <p:nvSpPr>
-            <p:cNvPr id="18" name="Oval 17"/>
+            <p:cNvPr id="11" name="AutoShape 13"/>
+            <p:cNvSpPr>
+              <a:spLocks noChangeShapeType="1"/>
+            </p:cNvSpPr>
+            <p:nvPr/>
+          </p:nvSpPr>
+          <p:spPr bwMode="auto">
+            <a:xfrm flipV="1">
+              <a:off x="2050546" y="5702771"/>
+              <a:ext cx="1273969" cy="45719"/>
+            </a:xfrm>
+            <a:prstGeom prst="straightConnector1">
+              <a:avLst/>
+            </a:prstGeom>
+            <a:noFill/>
+            <a:ln w="9525">
+              <a:solidFill>
+                <a:srgbClr val="1F497D"/>
+              </a:solidFill>
+              <a:round/>
+              <a:headEnd/>
+              <a:tailEnd type="triangle" w="med" len="med"/>
+            </a:ln>
+            <a:extLst>
+              <a:ext uri="{909E8E84-426E-40DD-AFC4-6F175D3DCCD1}">
+                <a14:hiddenFill xmlns:a14="http://schemas.microsoft.com/office/drawing/2010/main">
+                  <a:noFill/>
+                </a14:hiddenFill>
+              </a:ext>
+            </a:extLst>
+          </p:spPr>
+          <p:txBody>
+            <a:bodyPr vert="horz" wrap="square" lIns="91440" tIns="45720" rIns="91440" bIns="45720" numCol="1" anchor="t" anchorCtr="0" compatLnSpc="1">
+              <a:prstTxWarp prst="textNoShape">
+                <a:avLst/>
+              </a:prstTxWarp>
+            </a:bodyPr>
+            <a:lstStyle/>
+            <a:p>
+              <a:endParaRPr lang="he-IL"/>
+            </a:p>
+          </p:txBody>
+        </p:sp>
+        <p:sp>
+          <p:nvSpPr>
+            <p:cNvPr id="14" name="AutoShape 8"/>
+            <p:cNvSpPr>
+              <a:spLocks noChangeShapeType="1"/>
+            </p:cNvSpPr>
+            <p:nvPr/>
+          </p:nvSpPr>
+          <p:spPr bwMode="auto">
+            <a:xfrm flipV="1">
+              <a:off x="5029200" y="4952999"/>
+              <a:ext cx="995072" cy="703499"/>
+            </a:xfrm>
+            <a:prstGeom prst="straightConnector1">
+              <a:avLst/>
+            </a:prstGeom>
+            <a:noFill/>
+            <a:ln w="9525">
+              <a:solidFill>
+                <a:srgbClr val="1F497D"/>
+              </a:solidFill>
+              <a:round/>
+              <a:headEnd/>
+              <a:tailEnd type="triangle" w="med" len="med"/>
+            </a:ln>
+            <a:extLst>
+              <a:ext uri="{909E8E84-426E-40DD-AFC4-6F175D3DCCD1}">
+                <a14:hiddenFill xmlns:a14="http://schemas.microsoft.com/office/drawing/2010/main">
+                  <a:noFill/>
+                </a14:hiddenFill>
+              </a:ext>
+            </a:extLst>
+          </p:spPr>
+          <p:txBody>
+            <a:bodyPr vert="horz" wrap="square" lIns="91440" tIns="45720" rIns="91440" bIns="45720" numCol="1" anchor="t" anchorCtr="0" compatLnSpc="1">
+              <a:prstTxWarp prst="textNoShape">
+                <a:avLst/>
+              </a:prstTxWarp>
+            </a:bodyPr>
+            <a:lstStyle/>
+            <a:p>
+              <a:endParaRPr lang="he-IL"/>
+            </a:p>
+          </p:txBody>
+        </p:sp>
+        <p:sp>
+          <p:nvSpPr>
+            <p:cNvPr id="15" name="AutoShape 7"/>
+            <p:cNvSpPr>
+              <a:spLocks noChangeShapeType="1"/>
+            </p:cNvSpPr>
+            <p:nvPr/>
+          </p:nvSpPr>
+          <p:spPr bwMode="auto">
+            <a:xfrm flipH="1">
+              <a:off x="5153024" y="5176629"/>
+              <a:ext cx="1023647" cy="758980"/>
+            </a:xfrm>
+            <a:prstGeom prst="straightConnector1">
+              <a:avLst/>
+            </a:prstGeom>
+            <a:noFill/>
+            <a:ln w="9525">
+              <a:solidFill>
+                <a:srgbClr val="FF0000"/>
+              </a:solidFill>
+              <a:round/>
+              <a:headEnd/>
+              <a:tailEnd type="triangle" w="med" len="med"/>
+            </a:ln>
+            <a:extLst>
+              <a:ext uri="{909E8E84-426E-40DD-AFC4-6F175D3DCCD1}">
+                <a14:hiddenFill xmlns:a14="http://schemas.microsoft.com/office/drawing/2010/main">
+                  <a:noFill/>
+                </a14:hiddenFill>
+              </a:ext>
+            </a:extLst>
+          </p:spPr>
+          <p:txBody>
+            <a:bodyPr vert="horz" wrap="square" lIns="91440" tIns="45720" rIns="91440" bIns="45720" numCol="1" anchor="t" anchorCtr="0" compatLnSpc="1">
+              <a:prstTxWarp prst="textNoShape">
+                <a:avLst/>
+              </a:prstTxWarp>
+            </a:bodyPr>
+            <a:lstStyle/>
+            <a:p>
+              <a:endParaRPr lang="he-IL"/>
+            </a:p>
+          </p:txBody>
+        </p:sp>
+        <p:sp>
+          <p:nvSpPr>
+            <p:cNvPr id="23" name="Oval 2"/>
             <p:cNvSpPr>
               <a:spLocks noChangeArrowheads="1"/>
             </p:cNvSpPr>
@@ -4717,8 +4464,8 @@
           </p:nvSpPr>
           <p:spPr bwMode="auto">
             <a:xfrm>
-              <a:off x="4714875" y="1504950"/>
-              <a:ext cx="1323975" cy="1007110"/>
+              <a:off x="3324515" y="5389868"/>
+              <a:ext cx="1724025" cy="1181100"/>
             </a:xfrm>
             <a:prstGeom prst="ellipse">
               <a:avLst/>
@@ -4747,141 +4494,142 @@
               <a:prstTxWarp prst="textNoShape">
                 <a:avLst/>
               </a:prstTxWarp>
-              <a:noAutofit/>
             </a:bodyPr>
             <a:lstStyle/>
             <a:p>
-              <a:pPr>
+              <a:pPr marL="0" marR="0" lvl="0" indent="0" algn="ctr" defTabSz="914400" rtl="1" eaLnBrk="1" fontAlgn="base" latinLnBrk="0" hangingPunct="1">
                 <a:lnSpc>
-                  <a:spcPct val="115000"/>
+                  <a:spcPct val="100000"/>
                 </a:lnSpc>
+                <a:spcBef>
+                  <a:spcPct val="0"/>
+                </a:spcBef>
                 <a:spcAft>
-                  <a:spcPts val="1000"/>
+                  <a:spcPct val="0"/>
                 </a:spcAft>
+                <a:buClrTx/>
+                <a:buSzTx/>
+                <a:buFontTx/>
+                <a:buNone/>
+                <a:tabLst/>
               </a:pPr>
               <a:r>
-                <a:rPr lang="he-IL" sz="1100" b="1">
-                  <a:effectLst/>
-                  <a:latin typeface="Calibri"/>
-                  <a:ea typeface="Times New Roman"/>
-                  <a:cs typeface="Arial"/>
+                <a:rPr lang="he-IL" sz="1400" dirty="0" smtClean="0">
+                  <a:latin typeface="Calibri" pitchFamily="34" charset="0"/>
+                  <a:cs typeface="Arial" pitchFamily="34" charset="0"/>
                 </a:rPr>
-                <a:t>רישום והזנת תפריט</a:t>
+                <a:t>הזנת רשימת קניות ב</a:t>
               </a:r>
-              <a:endParaRPr lang="en-US" sz="1100">
+              <a:r>
+                <a:rPr lang="en-US" sz="1400" dirty="0" err="1" smtClean="0">
+                  <a:latin typeface="Calibri" pitchFamily="34" charset="0"/>
+                  <a:cs typeface="Arial" pitchFamily="34" charset="0"/>
+                </a:rPr>
+                <a:t>SmartShop</a:t>
+              </a:r>
+              <a:endParaRPr kumimoji="0" lang="he-IL" sz="1800" b="0" i="0" u="none" strike="noStrike" cap="none" normalizeH="0" baseline="0" dirty="0" smtClean="0">
+                <a:ln>
+                  <a:noFill/>
+                </a:ln>
+                <a:solidFill>
+                  <a:schemeClr val="tx1"/>
+                </a:solidFill>
                 <a:effectLst/>
-                <a:latin typeface="Calibri"/>
-                <a:ea typeface="Calibri"/>
-                <a:cs typeface="Arial"/>
+                <a:latin typeface="Arial" pitchFamily="34" charset="0"/>
+                <a:cs typeface="Arial" pitchFamily="34" charset="0"/>
               </a:endParaRPr>
             </a:p>
           </p:txBody>
         </p:sp>
-        <p:pic>
-          <p:nvPicPr>
-            <p:cNvPr id="26" name="Picture 25" descr="C:\Users\Avi\AppData\Local\Microsoft\Windows\Temporary Internet Files\Content.IE5\7HWPXZSA\MM900295163[1].gif"/>
-            <p:cNvPicPr>
-              <a:picLocks noChangeAspect="1"/>
-            </p:cNvPicPr>
+        <p:sp>
+          <p:nvSpPr>
+            <p:cNvPr id="22" name="Cloud 21"/>
+            <p:cNvSpPr/>
             <p:nvPr/>
-          </p:nvPicPr>
-          <p:blipFill>
-            <a:blip r:embed="rId3">
-              <a:extLst>
-                <a:ext uri="{28A0092B-C50C-407E-A947-70E740481C1C}">
-                  <a14:useLocalDpi xmlns:a14="http://schemas.microsoft.com/office/drawing/2010/main" val="0"/>
-                </a:ext>
-              </a:extLst>
-            </a:blip>
-            <a:srcRect/>
-            <a:stretch>
-              <a:fillRect/>
-            </a:stretch>
-          </p:blipFill>
-          <p:spPr bwMode="auto">
+          </p:nvSpPr>
+          <p:spPr>
             <a:xfrm>
-              <a:off x="6524625" y="1647825"/>
-              <a:ext cx="819150" cy="762000"/>
+              <a:off x="6176671" y="4213242"/>
+              <a:ext cx="2209800" cy="1250146"/>
             </a:xfrm>
-            <a:prstGeom prst="rect">
+            <a:prstGeom prst="cloud">
               <a:avLst/>
             </a:prstGeom>
-            <a:noFill/>
-            <a:ln>
-              <a:noFill/>
-            </a:ln>
           </p:spPr>
-        </p:pic>
-        <p:cxnSp>
-          <p:nvCxnSpPr>
-            <p:cNvPr id="27" name="AutoShape 7"/>
-            <p:cNvCxnSpPr/>
+          <p:style>
+            <a:lnRef idx="2">
+              <a:schemeClr val="accent1">
+                <a:shade val="50000"/>
+              </a:schemeClr>
+            </a:lnRef>
+            <a:fillRef idx="1">
+              <a:schemeClr val="accent1"/>
+            </a:fillRef>
+            <a:effectRef idx="0">
+              <a:schemeClr val="accent1"/>
+            </a:effectRef>
+            <a:fontRef idx="minor">
+              <a:schemeClr val="lt1"/>
+            </a:fontRef>
+          </p:style>
+          <p:txBody>
+            <a:bodyPr rtlCol="1" anchor="ctr"/>
+            <a:lstStyle/>
+            <a:p>
+              <a:pPr algn="ctr"/>
+              <a:r>
+                <a:rPr lang="he-IL" dirty="0" smtClean="0"/>
+                <a:t>מיון הרשימה</a:t>
+              </a:r>
+              <a:endParaRPr lang="he-IL" dirty="0"/>
+            </a:p>
+          </p:txBody>
+        </p:sp>
+        <p:sp>
+          <p:nvSpPr>
+            <p:cNvPr id="25" name="AutoShape 7"/>
+            <p:cNvSpPr>
+              <a:spLocks noChangeShapeType="1"/>
+            </p:cNvSpPr>
             <p:nvPr/>
-          </p:nvCxnSpPr>
+          </p:nvSpPr>
           <p:spPr bwMode="auto">
             <a:xfrm flipH="1">
-              <a:off x="6038850" y="1800225"/>
-              <a:ext cx="720090" cy="0"/>
+              <a:off x="1970744" y="5907971"/>
+              <a:ext cx="1353797" cy="72447"/>
             </a:xfrm>
             <a:prstGeom prst="straightConnector1">
               <a:avLst/>
             </a:prstGeom>
-            <a:ln>
+            <a:noFill/>
+            <a:ln w="9525">
+              <a:solidFill>
+                <a:srgbClr val="FF0000"/>
+              </a:solidFill>
+              <a:round/>
               <a:headEnd/>
               <a:tailEnd type="triangle" w="med" len="med"/>
             </a:ln>
-            <a:extLst/>
+            <a:extLst>
+              <a:ext uri="{909E8E84-426E-40DD-AFC4-6F175D3DCCD1}">
+                <a14:hiddenFill xmlns:a14="http://schemas.microsoft.com/office/drawing/2010/main">
+                  <a:noFill/>
+                </a14:hiddenFill>
+              </a:ext>
+            </a:extLst>
           </p:spPr>
-          <p:style>
-            <a:lnRef idx="1">
-              <a:schemeClr val="accent3"/>
-            </a:lnRef>
-            <a:fillRef idx="0">
-              <a:schemeClr val="accent3"/>
-            </a:fillRef>
-            <a:effectRef idx="0">
-              <a:schemeClr val="accent3"/>
-            </a:effectRef>
-            <a:fontRef idx="minor">
-              <a:schemeClr val="tx1"/>
-            </a:fontRef>
-          </p:style>
-        </p:cxnSp>
-        <p:cxnSp>
-          <p:nvCxnSpPr>
-            <p:cNvPr id="28" name="AutoShape 7"/>
-            <p:cNvCxnSpPr/>
-            <p:nvPr/>
-          </p:nvCxnSpPr>
-          <p:spPr bwMode="auto">
-            <a:xfrm flipH="1" flipV="1">
-              <a:off x="5076825" y="838200"/>
-              <a:ext cx="476251" cy="666115"/>
-            </a:xfrm>
-            <a:prstGeom prst="straightConnector1">
-              <a:avLst/>
-            </a:prstGeom>
-            <a:ln>
-              <a:headEnd/>
-              <a:tailEnd type="triangle" w="med" len="med"/>
-            </a:ln>
-            <a:extLst/>
-          </p:spPr>
-          <p:style>
-            <a:lnRef idx="1">
-              <a:schemeClr val="accent3"/>
-            </a:lnRef>
-            <a:fillRef idx="0">
-              <a:schemeClr val="accent3"/>
-            </a:fillRef>
-            <a:effectRef idx="0">
-              <a:schemeClr val="accent3"/>
-            </a:effectRef>
-            <a:fontRef idx="minor">
-              <a:schemeClr val="tx1"/>
-            </a:fontRef>
-          </p:style>
-        </p:cxnSp>
+          <p:txBody>
+            <a:bodyPr vert="horz" wrap="square" lIns="91440" tIns="45720" rIns="91440" bIns="45720" numCol="1" anchor="t" anchorCtr="0" compatLnSpc="1">
+              <a:prstTxWarp prst="textNoShape">
+                <a:avLst/>
+              </a:prstTxWarp>
+            </a:bodyPr>
+            <a:lstStyle/>
+            <a:p>
+              <a:endParaRPr lang="he-IL"/>
+            </a:p>
+          </p:txBody>
+        </p:sp>
       </p:grpSp>
     </p:spTree>
   </p:cSld>
@@ -5048,8 +4796,8 @@
         </p:nvSpPr>
         <p:spPr>
           <a:xfrm>
-            <a:off x="1371600" y="838200"/>
-            <a:ext cx="6934200" cy="2895600"/>
+            <a:off x="1371600" y="990600"/>
+            <a:ext cx="6934200" cy="2590800"/>
           </a:xfrm>
           <a:prstGeom prst="roundRect">
             <a:avLst/>
@@ -5091,6 +4839,7 @@
               <a:rPr lang="he-IL" sz="2400" dirty="0" smtClean="0"/>
               <a:t>קל ליישום.</a:t>
             </a:r>
+            <a:endParaRPr lang="he-IL" sz="2400" dirty="0" smtClean="0"/>
           </a:p>
           <a:p>
             <a:pPr algn="r" rtl="1">
@@ -5099,7 +4848,7 @@
             </a:pPr>
             <a:r>
               <a:rPr lang="he-IL" sz="2400" dirty="0" smtClean="0"/>
-              <a:t>קהל יעד גדול.</a:t>
+              <a:t>רלוונטי לכל משקי הבית.</a:t>
             </a:r>
           </a:p>
           <a:p>
@@ -5109,11 +4858,7 @@
             </a:pPr>
             <a:r>
               <a:rPr lang="he-IL" sz="2400" dirty="0" smtClean="0"/>
-              <a:t>לא מצריך ידע מוקדם</a:t>
-            </a:r>
-            <a:r>
-              <a:rPr lang="he-IL" sz="2400" dirty="0" smtClean="0"/>
-              <a:t>.</a:t>
+              <a:t>לא מצריך ידע מוקדם.</a:t>
             </a:r>
           </a:p>
           <a:p>
@@ -5123,17 +4868,6 @@
             </a:pPr>
             <a:r>
               <a:rPr lang="he-IL" sz="2400" dirty="0" smtClean="0"/>
-              <a:t>מהווה פרסומת לבעלי העסק המשתתפים</a:t>
-            </a:r>
-            <a:endParaRPr lang="he-IL" sz="2400" dirty="0" smtClean="0"/>
-          </a:p>
-          <a:p>
-            <a:pPr algn="r" rtl="1">
-              <a:buFont typeface="Arial" pitchFamily="34" charset="0"/>
-              <a:buChar char="•"/>
-            </a:pPr>
-            <a:r>
-              <a:rPr lang="he-IL" sz="2400" dirty="0" smtClean="0"/>
               <a:t>ניתן להפוך לרווחיים ע"י:</a:t>
             </a:r>
           </a:p>
@@ -5144,11 +4878,7 @@
             </a:pPr>
             <a:r>
               <a:rPr lang="he-IL" sz="2400" dirty="0" smtClean="0"/>
-              <a:t> פרסומות של בעלי עסק</a:t>
-            </a:r>
-            <a:r>
-              <a:rPr lang="he-IL" sz="2400" dirty="0" smtClean="0"/>
-              <a:t>.</a:t>
+              <a:t> פרסומות מותאמות אישית לרשימת קניות.</a:t>
             </a:r>
           </a:p>
           <a:p>
@@ -5158,7 +4888,7 @@
             </a:pPr>
             <a:r>
               <a:rPr lang="he-IL" sz="2400" dirty="0" smtClean="0"/>
-              <a:t>גביית תשלום מבעלי עסק.</a:t>
+              <a:t> שיתוף פעולה עם סופרים.</a:t>
             </a:r>
             <a:endParaRPr lang="en-US" sz="2400" dirty="0"/>
           </a:p>
@@ -5216,8 +4946,8 @@
         </p:nvSpPr>
         <p:spPr>
           <a:xfrm>
-            <a:off x="1409700" y="4648200"/>
-            <a:ext cx="6858000" cy="1944030"/>
+            <a:off x="1409700" y="4456770"/>
+            <a:ext cx="6858000" cy="1334430"/>
           </a:xfrm>
           <a:prstGeom prst="roundRect">
             <a:avLst/>
@@ -5246,12 +4976,8 @@
               <a:buChar char="•"/>
             </a:pPr>
             <a:r>
-              <a:rPr lang="he-IL" sz="2400" dirty="0"/>
-              <a:t>התשלום המקוון עלול להיות בעייתי- ייתכן ובשלב הראשון נוותר </a:t>
-            </a:r>
-            <a:r>
               <a:rPr lang="he-IL" sz="2400" dirty="0" smtClean="0"/>
-              <a:t>עליו, כלומר תשלום יהיה בקבלת ההזמנה.</a:t>
+              <a:t>התנגדות של סופרים.</a:t>
             </a:r>
           </a:p>
           <a:p>
@@ -5261,17 +4987,7 @@
             </a:pPr>
             <a:r>
               <a:rPr lang="he-IL" sz="2400" dirty="0" smtClean="0"/>
-              <a:t>חוסר שיתף פעולה מצד בתי עסק.</a:t>
-            </a:r>
-          </a:p>
-          <a:p>
-            <a:pPr marL="342900" indent="-342900" algn="r" rtl="1">
-              <a:buFont typeface="Arial" pitchFamily="34" charset="0"/>
-              <a:buChar char="•"/>
-            </a:pPr>
-            <a:r>
-              <a:rPr lang="he-IL" sz="2400" dirty="0" smtClean="0"/>
-              <a:t>בגלל פשטות התכנה, ניתן לחקות אותה בקלות.</a:t>
+              <a:t>מצריך מיפוי מתמיד של הסופרים (רעיון: באמצעות משתמשים?).</a:t>
             </a:r>
             <a:endParaRPr lang="en-US" sz="2400" dirty="0"/>
           </a:p>
@@ -5285,7 +5001,7 @@
         </p:nvSpPr>
         <p:spPr>
           <a:xfrm>
-            <a:off x="3815575" y="3871331"/>
+            <a:off x="3791414" y="3733800"/>
             <a:ext cx="4419600" cy="609600"/>
           </a:xfrm>
           <a:prstGeom prst="roundRect">

--- a/SOW/הצעת פרוייקט מצגת.pptx
+++ b/SOW/הצעת פרוייקט מצגת.pptx
@@ -292,7 +292,7 @@
             <a:fld id="{F9119E2C-183D-45EA-B4E8-412AD0C4EF42}" type="datetimeFigureOut">
               <a:rPr lang="en-US" smtClean="0"/>
               <a:pPr/>
-              <a:t>3/9/2013</a:t>
+              <a:t>4/21/2013</a:t>
             </a:fld>
             <a:endParaRPr lang="en-US"/>
           </a:p>
@@ -459,7 +459,7 @@
             <a:fld id="{F9119E2C-183D-45EA-B4E8-412AD0C4EF42}" type="datetimeFigureOut">
               <a:rPr lang="en-US" smtClean="0"/>
               <a:pPr/>
-              <a:t>3/9/2013</a:t>
+              <a:t>4/21/2013</a:t>
             </a:fld>
             <a:endParaRPr lang="en-US"/>
           </a:p>
@@ -636,7 +636,7 @@
             <a:fld id="{F9119E2C-183D-45EA-B4E8-412AD0C4EF42}" type="datetimeFigureOut">
               <a:rPr lang="en-US" smtClean="0"/>
               <a:pPr/>
-              <a:t>3/9/2013</a:t>
+              <a:t>4/21/2013</a:t>
             </a:fld>
             <a:endParaRPr lang="en-US"/>
           </a:p>
@@ -803,7 +803,7 @@
             <a:fld id="{F9119E2C-183D-45EA-B4E8-412AD0C4EF42}" type="datetimeFigureOut">
               <a:rPr lang="en-US" smtClean="0"/>
               <a:pPr/>
-              <a:t>3/9/2013</a:t>
+              <a:t>4/21/2013</a:t>
             </a:fld>
             <a:endParaRPr lang="en-US"/>
           </a:p>
@@ -1046,7 +1046,7 @@
             <a:fld id="{F9119E2C-183D-45EA-B4E8-412AD0C4EF42}" type="datetimeFigureOut">
               <a:rPr lang="en-US" smtClean="0"/>
               <a:pPr/>
-              <a:t>3/9/2013</a:t>
+              <a:t>4/21/2013</a:t>
             </a:fld>
             <a:endParaRPr lang="en-US"/>
           </a:p>
@@ -1331,7 +1331,7 @@
             <a:fld id="{F9119E2C-183D-45EA-B4E8-412AD0C4EF42}" type="datetimeFigureOut">
               <a:rPr lang="en-US" smtClean="0"/>
               <a:pPr/>
-              <a:t>3/9/2013</a:t>
+              <a:t>4/21/2013</a:t>
             </a:fld>
             <a:endParaRPr lang="en-US"/>
           </a:p>
@@ -1750,7 +1750,7 @@
             <a:fld id="{F9119E2C-183D-45EA-B4E8-412AD0C4EF42}" type="datetimeFigureOut">
               <a:rPr lang="en-US" smtClean="0"/>
               <a:pPr/>
-              <a:t>3/9/2013</a:t>
+              <a:t>4/21/2013</a:t>
             </a:fld>
             <a:endParaRPr lang="en-US"/>
           </a:p>
@@ -1865,7 +1865,7 @@
             <a:fld id="{F9119E2C-183D-45EA-B4E8-412AD0C4EF42}" type="datetimeFigureOut">
               <a:rPr lang="en-US" smtClean="0"/>
               <a:pPr/>
-              <a:t>3/9/2013</a:t>
+              <a:t>4/21/2013</a:t>
             </a:fld>
             <a:endParaRPr lang="en-US"/>
           </a:p>
@@ -1957,7 +1957,7 @@
             <a:fld id="{F9119E2C-183D-45EA-B4E8-412AD0C4EF42}" type="datetimeFigureOut">
               <a:rPr lang="en-US" smtClean="0"/>
               <a:pPr/>
-              <a:t>3/9/2013</a:t>
+              <a:t>4/21/2013</a:t>
             </a:fld>
             <a:endParaRPr lang="en-US"/>
           </a:p>
@@ -2231,7 +2231,7 @@
             <a:fld id="{F9119E2C-183D-45EA-B4E8-412AD0C4EF42}" type="datetimeFigureOut">
               <a:rPr lang="en-US" smtClean="0"/>
               <a:pPr/>
-              <a:t>3/9/2013</a:t>
+              <a:t>4/21/2013</a:t>
             </a:fld>
             <a:endParaRPr lang="en-US"/>
           </a:p>
@@ -2481,7 +2481,7 @@
             <a:fld id="{F9119E2C-183D-45EA-B4E8-412AD0C4EF42}" type="datetimeFigureOut">
               <a:rPr lang="en-US" smtClean="0"/>
               <a:pPr/>
-              <a:t>3/9/2013</a:t>
+              <a:t>4/21/2013</a:t>
             </a:fld>
             <a:endParaRPr lang="en-US"/>
           </a:p>
@@ -2691,7 +2691,7 @@
             <a:fld id="{F9119E2C-183D-45EA-B4E8-412AD0C4EF42}" type="datetimeFigureOut">
               <a:rPr lang="en-US" smtClean="0"/>
               <a:pPr/>
-              <a:t>3/9/2013</a:t>
+              <a:t>4/21/2013</a:t>
             </a:fld>
             <a:endParaRPr lang="en-US"/>
           </a:p>
@@ -4839,7 +4839,6 @@
               <a:rPr lang="he-IL" sz="2400" dirty="0" smtClean="0"/>
               <a:t>קל ליישום.</a:t>
             </a:r>
-            <a:endParaRPr lang="he-IL" sz="2400" dirty="0" smtClean="0"/>
           </a:p>
           <a:p>
             <a:pPr algn="r" rtl="1">
@@ -4940,61 +4939,6 @@
       </p:sp>
       <p:sp>
         <p:nvSpPr>
-          <p:cNvPr id="10" name="מלבן מעוגל 7"/>
-          <p:cNvSpPr/>
-          <p:nvPr/>
-        </p:nvSpPr>
-        <p:spPr>
-          <a:xfrm>
-            <a:off x="1409700" y="4456770"/>
-            <a:ext cx="6858000" cy="1334430"/>
-          </a:xfrm>
-          <a:prstGeom prst="roundRect">
-            <a:avLst/>
-          </a:prstGeom>
-        </p:spPr>
-        <p:style>
-          <a:lnRef idx="2">
-            <a:schemeClr val="accent1"/>
-          </a:lnRef>
-          <a:fillRef idx="1">
-            <a:schemeClr val="lt1"/>
-          </a:fillRef>
-          <a:effectRef idx="0">
-            <a:schemeClr val="accent1"/>
-          </a:effectRef>
-          <a:fontRef idx="minor">
-            <a:schemeClr val="dk1"/>
-          </a:fontRef>
-        </p:style>
-        <p:txBody>
-          <a:bodyPr rtlCol="0" anchor="ctr"/>
-          <a:lstStyle/>
-          <a:p>
-            <a:pPr marL="342900" indent="-342900" algn="r" rtl="1">
-              <a:buFont typeface="Arial" pitchFamily="34" charset="0"/>
-              <a:buChar char="•"/>
-            </a:pPr>
-            <a:r>
-              <a:rPr lang="he-IL" sz="2400" dirty="0" smtClean="0"/>
-              <a:t>התנגדות של סופרים.</a:t>
-            </a:r>
-          </a:p>
-          <a:p>
-            <a:pPr marL="342900" indent="-342900" algn="r" rtl="1">
-              <a:buFont typeface="Arial" pitchFamily="34" charset="0"/>
-              <a:buChar char="•"/>
-            </a:pPr>
-            <a:r>
-              <a:rPr lang="he-IL" sz="2400" dirty="0" smtClean="0"/>
-              <a:t>מצריך מיפוי מתמיד של הסופרים (רעיון: באמצעות משתמשים?).</a:t>
-            </a:r>
-            <a:endParaRPr lang="en-US" sz="2400" dirty="0"/>
-          </a:p>
-        </p:txBody>
-      </p:sp>
-      <p:sp>
-        <p:nvSpPr>
           <p:cNvPr id="13" name="מלבן מעוגל 3"/>
           <p:cNvSpPr/>
           <p:nvPr/>
@@ -5037,6 +4981,60 @@
           </a:p>
         </p:txBody>
       </p:sp>
+      <p:pic>
+        <p:nvPicPr>
+          <p:cNvPr id="1026" name="Picture 2"/>
+          <p:cNvPicPr>
+            <a:picLocks noChangeAspect="1" noChangeArrowheads="1"/>
+          </p:cNvPicPr>
+          <p:nvPr/>
+        </p:nvPicPr>
+        <p:blipFill>
+          <a:blip r:embed="rId2">
+            <a:extLst>
+              <a:ext uri="{28A0092B-C50C-407E-A947-70E740481C1C}">
+                <a14:useLocalDpi xmlns:a14="http://schemas.microsoft.com/office/drawing/2010/main" val="0"/>
+              </a:ext>
+            </a:extLst>
+          </a:blip>
+          <a:srcRect/>
+          <a:stretch>
+            <a:fillRect/>
+          </a:stretch>
+        </p:blipFill>
+        <p:spPr bwMode="auto">
+          <a:xfrm>
+            <a:off x="914400" y="4572000"/>
+            <a:ext cx="7312656" cy="1879600"/>
+          </a:xfrm>
+          <a:prstGeom prst="rect">
+            <a:avLst/>
+          </a:prstGeom>
+          <a:noFill/>
+          <a:ln>
+            <a:noFill/>
+          </a:ln>
+          <a:extLst>
+            <a:ext uri="{909E8E84-426E-40DD-AFC4-6F175D3DCCD1}">
+              <a14:hiddenFill xmlns:a14="http://schemas.microsoft.com/office/drawing/2010/main">
+                <a:solidFill>
+                  <a:schemeClr val="accent1"/>
+                </a:solidFill>
+              </a14:hiddenFill>
+            </a:ext>
+            <a:ext uri="{91240B29-F687-4F45-9708-019B960494DF}">
+              <a14:hiddenLine xmlns:a14="http://schemas.microsoft.com/office/drawing/2010/main" w="9525">
+                <a:solidFill>
+                  <a:schemeClr val="tx1"/>
+                </a:solidFill>
+                <a:miter lim="800000"/>
+                <a:headEnd/>
+                <a:tailEnd/>
+              </a14:hiddenLine>
+            </a:ext>
+          </a:extLst>
+        </p:spPr>
+      </p:pic>
     </p:spTree>
   </p:cSld>
   <p:clrMapOvr>
@@ -5103,59 +5101,6 @@
                       </p:childTnLst>
                     </p:cTn>
                   </p:par>
-                  <p:par>
-                    <p:cTn id="8" fill="hold">
-                      <p:stCondLst>
-                        <p:cond delay="indefinite"/>
-                      </p:stCondLst>
-                      <p:childTnLst>
-                        <p:par>
-                          <p:cTn id="9" fill="hold">
-                            <p:stCondLst>
-                              <p:cond delay="0"/>
-                            </p:stCondLst>
-                            <p:childTnLst>
-                              <p:par>
-                                <p:cTn id="10" presetID="22" presetClass="entr" presetSubtype="2" fill="hold" grpId="0" nodeType="clickEffect">
-                                  <p:stCondLst>
-                                    <p:cond delay="0"/>
-                                  </p:stCondLst>
-                                  <p:childTnLst>
-                                    <p:set>
-                                      <p:cBhvr>
-                                        <p:cTn id="11" dur="1" fill="hold">
-                                          <p:stCondLst>
-                                            <p:cond delay="0"/>
-                                          </p:stCondLst>
-                                        </p:cTn>
-                                        <p:tgtEl>
-                                          <p:spTgt spid="10"/>
-                                        </p:tgtEl>
-                                        <p:attrNameLst>
-                                          <p:attrName>style.visibility</p:attrName>
-                                        </p:attrNameLst>
-                                      </p:cBhvr>
-                                      <p:to>
-                                        <p:strVal val="visible"/>
-                                      </p:to>
-                                    </p:set>
-                                    <p:animEffect transition="in" filter="wipe(right)">
-                                      <p:cBhvr>
-                                        <p:cTn id="12" dur="500"/>
-                                        <p:tgtEl>
-                                          <p:spTgt spid="10"/>
-                                        </p:tgtEl>
-                                      </p:cBhvr>
-                                    </p:animEffect>
-                                  </p:childTnLst>
-                                </p:cTn>
-                              </p:par>
-                            </p:childTnLst>
-                          </p:cTn>
-                        </p:par>
-                      </p:childTnLst>
-                    </p:cTn>
-                  </p:par>
                 </p:childTnLst>
               </p:cTn>
               <p:prevCondLst>
@@ -5179,7 +5124,6 @@
     </p:tnLst>
     <p:bldLst>
       <p:bldP spid="8" grpId="0" animBg="1"/>
-      <p:bldP spid="10" grpId="0" animBg="1"/>
     </p:bldLst>
   </p:timing>
 </p:sld>
